--- a/Session04/03. Forms and Server Communication.pptx
+++ b/Session04/03. Forms and Server Communication.pptx
@@ -5,13 +5,19 @@
     <p:sldMasterId id="2147483648" r:id="rId1"/>
   </p:sldMasterIdLst>
   <p:notesMasterIdLst>
-    <p:notesMasterId r:id="rId6"/>
+    <p:notesMasterId r:id="rId12"/>
   </p:notesMasterIdLst>
   <p:sldIdLst>
     <p:sldId id="256" r:id="rId2"/>
     <p:sldId id="257" r:id="rId3"/>
-    <p:sldId id="259" r:id="rId4"/>
-    <p:sldId id="258" r:id="rId5"/>
+    <p:sldId id="260" r:id="rId4"/>
+    <p:sldId id="259" r:id="rId5"/>
+    <p:sldId id="261" r:id="rId6"/>
+    <p:sldId id="262" r:id="rId7"/>
+    <p:sldId id="263" r:id="rId8"/>
+    <p:sldId id="264" r:id="rId9"/>
+    <p:sldId id="265" r:id="rId10"/>
+    <p:sldId id="258" r:id="rId11"/>
   </p:sldIdLst>
   <p:sldSz cx="12192000" cy="6858000"/>
   <p:notesSz cx="6858000" cy="9144000"/>
@@ -200,7 +206,7 @@
           <a:p>
             <a:fld id="{8F59A0B2-88F1-430E-BA3A-2AAE21785401}" type="datetimeFigureOut">
               <a:rPr lang="en-US" smtClean="0"/>
-              <a:t>16-Feb-19</a:t>
+              <a:t>17-Feb-19</a:t>
             </a:fld>
             <a:endParaRPr lang="en-US"/>
           </a:p>
@@ -685,7 +691,7 @@
           <a:p>
             <a:fld id="{9AB3A824-1A51-4B26-AD58-A6D8E14F6C04}" type="datetimeFigureOut">
               <a:rPr lang="en-US" dirty="0"/>
-              <a:t>16-Feb-19</a:t>
+              <a:t>17-Feb-19</a:t>
             </a:fld>
             <a:endParaRPr lang="en-US" dirty="0"/>
           </a:p>
@@ -1026,7 +1032,7 @@
           <a:p>
             <a:fld id="{D857E33E-8B18-4087-B112-809917729534}" type="datetimeFigureOut">
               <a:rPr lang="en-US" dirty="0"/>
-              <a:t>16-Feb-19</a:t>
+              <a:t>17-Feb-19</a:t>
             </a:fld>
             <a:endParaRPr lang="en-US" dirty="0"/>
           </a:p>
@@ -1328,7 +1334,7 @@
           <a:p>
             <a:fld id="{D3FFE419-2371-464F-8239-3959401C3561}" type="datetimeFigureOut">
               <a:rPr lang="en-US" dirty="0"/>
-              <a:t>16-Feb-19</a:t>
+              <a:t>17-Feb-19</a:t>
             </a:fld>
             <a:endParaRPr lang="en-US" dirty="0"/>
           </a:p>
@@ -1575,7 +1581,7 @@
           <a:p>
             <a:fld id="{97D162C4-EDD9-4389-A98B-B87ECEA2A816}" type="datetimeFigureOut">
               <a:rPr lang="en-US" dirty="0"/>
-              <a:t>16-Feb-19</a:t>
+              <a:t>17-Feb-19</a:t>
             </a:fld>
             <a:endParaRPr lang="en-US" dirty="0"/>
           </a:p>
@@ -1989,7 +1995,7 @@
           <a:p>
             <a:fld id="{3E5059C3-6A89-4494-99FF-5A4D6FFD50EB}" type="datetimeFigureOut">
               <a:rPr lang="en-US" dirty="0"/>
-              <a:t>16-Feb-19</a:t>
+              <a:t>17-Feb-19</a:t>
             </a:fld>
             <a:endParaRPr lang="en-US" dirty="0"/>
           </a:p>
@@ -2303,7 +2309,7 @@
           <a:p>
             <a:fld id="{CA954B2F-12DE-47F5-8894-472B206D2E1E}" type="datetimeFigureOut">
               <a:rPr lang="en-US" dirty="0"/>
-              <a:t>16-Feb-19</a:t>
+              <a:t>17-Feb-19</a:t>
             </a:fld>
             <a:endParaRPr lang="en-US" dirty="0"/>
           </a:p>
@@ -2847,7 +2853,7 @@
           <a:p>
             <a:fld id="{3F30E46F-7819-4ACF-B48B-48222C2ACC88}" type="datetimeFigureOut">
               <a:rPr lang="en-US" dirty="0"/>
-              <a:t>16-Feb-19</a:t>
+              <a:t>17-Feb-19</a:t>
             </a:fld>
             <a:endParaRPr lang="en-US" dirty="0"/>
           </a:p>
@@ -3042,7 +3048,7 @@
           <a:p>
             <a:fld id="{1FAF3416-4057-4DAA-829D-4CA07428D088}" type="datetimeFigureOut">
               <a:rPr lang="en-US" dirty="0"/>
-              <a:t>16-Feb-19</a:t>
+              <a:t>17-Feb-19</a:t>
             </a:fld>
             <a:endParaRPr lang="en-US" dirty="0"/>
           </a:p>
@@ -3255,7 +3261,7 @@
           <a:p>
             <a:fld id="{921D9284-D300-4297-87F7-E791DCC15DB1}" type="datetimeFigureOut">
               <a:rPr lang="en-US" dirty="0"/>
-              <a:t>16-Feb-19</a:t>
+              <a:t>17-Feb-19</a:t>
             </a:fld>
             <a:endParaRPr lang="en-US" dirty="0"/>
           </a:p>
@@ -3624,7 +3630,7 @@
           <a:p>
             <a:fld id="{37D525BB-DA17-4BA0-B3C8-3AC3ABC827E6}" type="datetimeFigureOut">
               <a:rPr lang="en-US" dirty="0"/>
-              <a:t>16-Feb-19</a:t>
+              <a:t>17-Feb-19</a:t>
             </a:fld>
             <a:endParaRPr lang="en-US" dirty="0"/>
           </a:p>
@@ -4027,7 +4033,7 @@
           <a:p>
             <a:fld id="{B16C4C9A-3960-41CF-A4E9-2A8FB932454B}" type="datetimeFigureOut">
               <a:rPr lang="en-US" dirty="0"/>
-              <a:t>16-Feb-19</a:t>
+              <a:t>17-Feb-19</a:t>
             </a:fld>
             <a:endParaRPr lang="en-US" dirty="0"/>
           </a:p>
@@ -4365,7 +4371,7 @@
           <a:p>
             <a:fld id="{3CBC1C18-307B-4F68-A007-B5B542270E8D}" type="datetimeFigureOut">
               <a:rPr lang="en-US" dirty="0"/>
-              <a:t>16-Feb-19</a:t>
+              <a:t>17-Feb-19</a:t>
             </a:fld>
             <a:endParaRPr lang="en-US" dirty="0"/>
           </a:p>
@@ -5120,6 +5126,207 @@
 </p:sld>
 </file>
 
+<file path=ppt/slides/slide10.xml><?xml version="1.0" encoding="utf-8"?>
+<p:sld xmlns:a="http://schemas.openxmlformats.org/drawingml/2006/main" xmlns:r="http://schemas.openxmlformats.org/officeDocument/2006/relationships" xmlns:p="http://schemas.openxmlformats.org/presentationml/2006/main">
+  <p:cSld>
+    <p:spTree>
+      <p:nvGrpSpPr>
+        <p:cNvPr id="1" name=""/>
+        <p:cNvGrpSpPr/>
+        <p:nvPr/>
+      </p:nvGrpSpPr>
+      <p:grpSpPr>
+        <a:xfrm>
+          <a:off x="0" y="0"/>
+          <a:ext cx="0" cy="0"/>
+          <a:chOff x="0" y="0"/>
+          <a:chExt cx="0" cy="0"/>
+        </a:xfrm>
+      </p:grpSpPr>
+      <p:sp>
+        <p:nvSpPr>
+          <p:cNvPr id="2" name="Title 1"/>
+          <p:cNvSpPr>
+            <a:spLocks noGrp="1"/>
+          </p:cNvSpPr>
+          <p:nvPr>
+            <p:ph type="title"/>
+          </p:nvPr>
+        </p:nvSpPr>
+        <p:spPr/>
+        <p:txBody>
+          <a:bodyPr/>
+          <a:lstStyle/>
+          <a:p>
+            <a:r>
+              <a:rPr lang="en-US" smtClean="0"/>
+              <a:t>References</a:t>
+            </a:r>
+            <a:endParaRPr lang="en-US"/>
+          </a:p>
+        </p:txBody>
+      </p:sp>
+      <p:sp>
+        <p:nvSpPr>
+          <p:cNvPr id="3" name="Content Placeholder 2"/>
+          <p:cNvSpPr>
+            <a:spLocks noGrp="1"/>
+          </p:cNvSpPr>
+          <p:nvPr>
+            <p:ph idx="1"/>
+          </p:nvPr>
+        </p:nvSpPr>
+        <p:spPr/>
+        <p:txBody>
+          <a:bodyPr/>
+          <a:lstStyle/>
+          <a:p>
+            <a:pPr marL="713740" indent="-571500">
+              <a:lnSpc>
+                <a:spcPct val="100000"/>
+              </a:lnSpc>
+              <a:spcBef>
+                <a:spcPts val="660"/>
+              </a:spcBef>
+              <a:buFont typeface="Arial" panose="020B0604020202020204" pitchFamily="34" charset="0"/>
+              <a:buChar char="•"/>
+            </a:pPr>
+            <a:r>
+              <a:rPr lang="en-US">
+                <a:solidFill>
+                  <a:srgbClr val="FFFF00"/>
+                </a:solidFill>
+              </a:rPr>
+              <a:t>https</a:t>
+            </a:r>
+            <a:r>
+              <a:rPr lang="en-US">
+                <a:solidFill>
+                  <a:srgbClr val="FFFF00"/>
+                </a:solidFill>
+              </a:rPr>
+              <a:t>://</a:t>
+            </a:r>
+            <a:r>
+              <a:rPr lang="en-US" smtClean="0">
+                <a:solidFill>
+                  <a:srgbClr val="FFFF00"/>
+                </a:solidFill>
+              </a:rPr>
+              <a:t>angular.io/guide/observables</a:t>
+            </a:r>
+          </a:p>
+          <a:p>
+            <a:pPr marL="713740" indent="-571500">
+              <a:lnSpc>
+                <a:spcPct val="100000"/>
+              </a:lnSpc>
+              <a:spcBef>
+                <a:spcPts val="660"/>
+              </a:spcBef>
+              <a:buFont typeface="Arial" panose="020B0604020202020204" pitchFamily="34" charset="0"/>
+              <a:buChar char="•"/>
+            </a:pPr>
+            <a:r>
+              <a:rPr lang="en-US" smtClean="0">
+                <a:solidFill>
+                  <a:srgbClr val="FFFF00"/>
+                </a:solidFill>
+              </a:rPr>
+              <a:t>https</a:t>
+            </a:r>
+            <a:r>
+              <a:rPr lang="en-US">
+                <a:solidFill>
+                  <a:srgbClr val="FFFF00"/>
+                </a:solidFill>
+              </a:rPr>
+              <a:t>://tc39.github.io/proposal-observable</a:t>
+            </a:r>
+            <a:r>
+              <a:rPr lang="en-US" smtClean="0">
+                <a:solidFill>
+                  <a:srgbClr val="FFFF00"/>
+                </a:solidFill>
+              </a:rPr>
+              <a:t>/</a:t>
+            </a:r>
+          </a:p>
+          <a:p>
+            <a:pPr marL="713740" indent="-571500">
+              <a:lnSpc>
+                <a:spcPct val="100000"/>
+              </a:lnSpc>
+              <a:spcBef>
+                <a:spcPts val="660"/>
+              </a:spcBef>
+              <a:buFont typeface="Arial" panose="020B0604020202020204" pitchFamily="34" charset="0"/>
+              <a:buChar char="•"/>
+            </a:pPr>
+            <a:r>
+              <a:rPr lang="en-US" spc="90">
+                <a:solidFill>
+                  <a:srgbClr val="FFFF00"/>
+                </a:solidFill>
+              </a:rPr>
+              <a:t>https://</a:t>
+            </a:r>
+            <a:r>
+              <a:rPr lang="en-US" spc="90" smtClean="0">
+                <a:solidFill>
+                  <a:srgbClr val="FFFF00"/>
+                </a:solidFill>
+              </a:rPr>
+              <a:t>scotch.io/tutorials/angular-2-http-requests-with-observables</a:t>
+            </a:r>
+          </a:p>
+          <a:p>
+            <a:pPr marL="713740" indent="-571500">
+              <a:lnSpc>
+                <a:spcPct val="100000"/>
+              </a:lnSpc>
+              <a:spcBef>
+                <a:spcPts val="660"/>
+              </a:spcBef>
+              <a:buFont typeface="Arial" panose="020B0604020202020204" pitchFamily="34" charset="0"/>
+              <a:buChar char="•"/>
+            </a:pPr>
+            <a:r>
+              <a:rPr lang="en-US" spc="90">
+                <a:solidFill>
+                  <a:srgbClr val="FFFF00"/>
+                </a:solidFill>
+              </a:rPr>
+              <a:t>https://alligator.io/angular/httpclient-intro/</a:t>
+            </a:r>
+            <a:endParaRPr lang="en-US" spc="90" smtClean="0">
+              <a:solidFill>
+                <a:srgbClr val="FFFF00"/>
+              </a:solidFill>
+            </a:endParaRPr>
+          </a:p>
+        </p:txBody>
+      </p:sp>
+    </p:spTree>
+    <p:extLst>
+      <p:ext uri="{BB962C8B-B14F-4D97-AF65-F5344CB8AC3E}">
+        <p14:creationId xmlns:p14="http://schemas.microsoft.com/office/powerpoint/2010/main" val="3087449523"/>
+      </p:ext>
+    </p:extLst>
+  </p:cSld>
+  <p:clrMapOvr>
+    <a:masterClrMapping/>
+  </p:clrMapOvr>
+  <p:timing>
+    <p:tnLst>
+      <p:par>
+        <p:cTn id="1" dur="indefinite" restart="never" nodeType="tmRoot"/>
+      </p:par>
+    </p:tnLst>
+  </p:timing>
+</p:sld>
+</file>
+
 <file path=ppt/slides/slide2.xml><?xml version="1.0" encoding="utf-8"?>
 <p:sld xmlns:a="http://schemas.openxmlformats.org/drawingml/2006/main" xmlns:r="http://schemas.openxmlformats.org/officeDocument/2006/relationships" xmlns:p="http://schemas.openxmlformats.org/presentationml/2006/main">
   <p:cSld>
@@ -5261,7 +5468,7 @@
           <a:p>
             <a:r>
               <a:rPr lang="en-US"/>
-              <a:t>Template-driven forms</a:t>
+              <a:t>Reactive forms</a:t>
             </a:r>
           </a:p>
         </p:txBody>
@@ -5282,24 +5489,14 @@
           <a:lstStyle/>
           <a:p>
             <a:r>
-              <a:rPr lang="en-US"/>
-              <a:t>Đ</a:t>
-            </a:r>
-            <a:r>
-              <a:rPr lang="vi-VN" smtClean="0"/>
-              <a:t>ịnh </a:t>
-            </a:r>
-            <a:r>
-              <a:rPr lang="vi-VN"/>
-              <a:t>nghĩa, thao tác với các thành phần trên form sẽ được định nghĩa trên </a:t>
-            </a:r>
-            <a:r>
-              <a:rPr lang="vi-VN"/>
-              <a:t>file </a:t>
-            </a:r>
-            <a:r>
-              <a:rPr lang="vi-VN" smtClean="0"/>
-              <a:t>Template (file HTML) của Angular Component</a:t>
+              <a:rPr lang="en-US" smtClean="0"/>
+              <a:t>Hướng tiếp cận model-driven để xử lý form inputs và quản lý trạng thái của toàn bộ Form</a:t>
+            </a:r>
+          </a:p>
+          <a:p>
+            <a:r>
+              <a:rPr lang="en-US" smtClean="0"/>
+              <a:t>Có thể tái sử dụng, dễ dàng mở rộng và test được</a:t>
             </a:r>
             <a:endParaRPr lang="en-US"/>
           </a:p>
@@ -5308,7 +5505,7 @@
     </p:spTree>
     <p:extLst>
       <p:ext uri="{BB962C8B-B14F-4D97-AF65-F5344CB8AC3E}">
-        <p14:creationId xmlns:p14="http://schemas.microsoft.com/office/powerpoint/2010/main" val="1952299215"/>
+        <p14:creationId xmlns:p14="http://schemas.microsoft.com/office/powerpoint/2010/main" val="2275592747"/>
       </p:ext>
     </p:extLst>
   </p:cSld>
@@ -5351,10 +5548,9 @@
           <a:lstStyle/>
           <a:p>
             <a:r>
-              <a:rPr lang="en-US" smtClean="0"/>
-              <a:t>References</a:t>
-            </a:r>
-            <a:endParaRPr lang="en-US"/>
+              <a:rPr lang="en-US"/>
+              <a:t>Template-driven forms</a:t>
+            </a:r>
           </a:p>
         </p:txBody>
       </p:sp>
@@ -5373,108 +5569,44 @@
           <a:bodyPr/>
           <a:lstStyle/>
           <a:p>
-            <a:pPr marL="713740" indent="-571500">
-              <a:lnSpc>
-                <a:spcPct val="100000"/>
-              </a:lnSpc>
-              <a:spcBef>
-                <a:spcPts val="660"/>
-              </a:spcBef>
-              <a:buFont typeface="Arial" panose="020B0604020202020204" pitchFamily="34" charset="0"/>
-              <a:buChar char="•"/>
-            </a:pPr>
-            <a:r>
-              <a:rPr lang="en-US">
-                <a:solidFill>
-                  <a:srgbClr val="FFFF00"/>
-                </a:solidFill>
-              </a:rPr>
-              <a:t>https</a:t>
-            </a:r>
-            <a:r>
-              <a:rPr lang="en-US" smtClean="0">
-                <a:solidFill>
-                  <a:srgbClr val="FFFF00"/>
-                </a:solidFill>
-              </a:rPr>
-              <a:t>://angular.io/docs</a:t>
-            </a:r>
-            <a:endParaRPr lang="en-US">
-              <a:solidFill>
-                <a:srgbClr val="FFFF00"/>
-              </a:solidFill>
-            </a:endParaRPr>
-          </a:p>
-          <a:p>
-            <a:pPr marL="713740" indent="-571500">
-              <a:lnSpc>
-                <a:spcPct val="100000"/>
-              </a:lnSpc>
-              <a:spcBef>
-                <a:spcPts val="660"/>
-              </a:spcBef>
-              <a:buFont typeface="Arial" panose="020B0604020202020204" pitchFamily="34" charset="0"/>
-              <a:buChar char="•"/>
-            </a:pPr>
-            <a:r>
-              <a:rPr lang="en-US">
-                <a:solidFill>
-                  <a:srgbClr val="FFFF00"/>
-                </a:solidFill>
-              </a:rPr>
-              <a:t>https://</a:t>
-            </a:r>
-            <a:r>
-              <a:rPr lang="en-US">
-                <a:solidFill>
-                  <a:srgbClr val="FFFF00"/>
-                </a:solidFill>
-              </a:rPr>
-              <a:t>tc39.github.io/proposal-observable</a:t>
-            </a:r>
-            <a:r>
-              <a:rPr lang="en-US" smtClean="0">
-                <a:solidFill>
-                  <a:srgbClr val="FFFF00"/>
-                </a:solidFill>
-              </a:rPr>
-              <a:t>/</a:t>
-            </a:r>
-          </a:p>
-          <a:p>
-            <a:pPr marL="713740" indent="-571500">
-              <a:lnSpc>
-                <a:spcPct val="100000"/>
-              </a:lnSpc>
-              <a:spcBef>
-                <a:spcPts val="660"/>
-              </a:spcBef>
-              <a:buFont typeface="Arial" panose="020B0604020202020204" pitchFamily="34" charset="0"/>
-              <a:buChar char="•"/>
-            </a:pPr>
-            <a:r>
-              <a:rPr lang="en-US" spc="90">
-                <a:solidFill>
-                  <a:srgbClr val="FFFF00"/>
-                </a:solidFill>
-              </a:rPr>
-              <a:t>https</a:t>
-            </a:r>
-            <a:r>
-              <a:rPr lang="en-US" spc="90">
-                <a:solidFill>
-                  <a:srgbClr val="FFFF00"/>
-                </a:solidFill>
-              </a:rPr>
-              <a:t>://</a:t>
-            </a:r>
-            <a:r>
-              <a:rPr lang="en-US" spc="90" smtClean="0">
-                <a:solidFill>
-                  <a:srgbClr val="FFFF00"/>
-                </a:solidFill>
-              </a:rPr>
-              <a:t>scotch.io/tutorials/angular-2-http-requests-with-observables</a:t>
+            <a:r>
+              <a:rPr lang="en-US"/>
+              <a:t>Đ</a:t>
+            </a:r>
+            <a:r>
+              <a:rPr lang="vi-VN" smtClean="0"/>
+              <a:t>ịnh </a:t>
+            </a:r>
+            <a:r>
+              <a:rPr lang="vi-VN"/>
+              <a:t>nghĩa, thao tác với các thành phần </a:t>
+            </a:r>
+            <a:r>
+              <a:rPr lang="vi-VN" smtClean="0"/>
+              <a:t>trên </a:t>
+            </a:r>
+            <a:r>
+              <a:rPr lang="vi-VN"/>
+              <a:t>file </a:t>
+            </a:r>
+            <a:r>
+              <a:rPr lang="vi-VN" smtClean="0"/>
+              <a:t>Template (file HTML) </a:t>
+            </a:r>
+            <a:r>
+              <a:rPr lang="en-US" smtClean="0"/>
+              <a:t>trong</a:t>
+            </a:r>
+            <a:r>
+              <a:rPr lang="vi-VN" smtClean="0"/>
+              <a:t> Component</a:t>
+            </a:r>
+            <a:endParaRPr lang="en-US" smtClean="0"/>
+          </a:p>
+          <a:p>
+            <a:r>
+              <a:rPr lang="en-US" smtClean="0"/>
+              <a:t>Hữu ích cho việc tạo ra một form đơn giản, eg: signup form</a:t>
             </a:r>
           </a:p>
         </p:txBody>
@@ -5482,7 +5614,191 @@
     </p:spTree>
     <p:extLst>
       <p:ext uri="{BB962C8B-B14F-4D97-AF65-F5344CB8AC3E}">
-        <p14:creationId xmlns:p14="http://schemas.microsoft.com/office/powerpoint/2010/main" val="3087449523"/>
+        <p14:creationId xmlns:p14="http://schemas.microsoft.com/office/powerpoint/2010/main" val="1952299215"/>
+      </p:ext>
+    </p:extLst>
+  </p:cSld>
+  <p:clrMapOvr>
+    <a:masterClrMapping/>
+  </p:clrMapOvr>
+</p:sld>
+</file>
+
+<file path=ppt/slides/slide5.xml><?xml version="1.0" encoding="utf-8"?>
+<p:sld xmlns:a="http://schemas.openxmlformats.org/drawingml/2006/main" xmlns:r="http://schemas.openxmlformats.org/officeDocument/2006/relationships" xmlns:p="http://schemas.openxmlformats.org/presentationml/2006/main">
+  <p:cSld>
+    <p:spTree>
+      <p:nvGrpSpPr>
+        <p:cNvPr id="1" name=""/>
+        <p:cNvGrpSpPr/>
+        <p:nvPr/>
+      </p:nvGrpSpPr>
+      <p:grpSpPr>
+        <a:xfrm>
+          <a:off x="0" y="0"/>
+          <a:ext cx="0" cy="0"/>
+          <a:chOff x="0" y="0"/>
+          <a:chExt cx="0" cy="0"/>
+        </a:xfrm>
+      </p:grpSpPr>
+      <p:sp>
+        <p:nvSpPr>
+          <p:cNvPr id="2" name="Title 1"/>
+          <p:cNvSpPr>
+            <a:spLocks noGrp="1"/>
+          </p:cNvSpPr>
+          <p:nvPr>
+            <p:ph type="title"/>
+          </p:nvPr>
+        </p:nvSpPr>
+        <p:spPr/>
+        <p:txBody>
+          <a:bodyPr/>
+          <a:lstStyle/>
+          <a:p>
+            <a:r>
+              <a:rPr lang="en-US" smtClean="0"/>
+              <a:t>Form Validation</a:t>
+            </a:r>
+            <a:endParaRPr lang="en-US"/>
+          </a:p>
+        </p:txBody>
+      </p:sp>
+      <p:sp>
+        <p:nvSpPr>
+          <p:cNvPr id="3" name="Content Placeholder 2"/>
+          <p:cNvSpPr>
+            <a:spLocks noGrp="1"/>
+          </p:cNvSpPr>
+          <p:nvPr>
+            <p:ph idx="1"/>
+          </p:nvPr>
+        </p:nvSpPr>
+        <p:spPr/>
+        <p:txBody>
+          <a:bodyPr/>
+          <a:lstStyle/>
+          <a:p>
+            <a:r>
+              <a:rPr lang="en-US" smtClean="0"/>
+              <a:t>Đảm bảo chất lượng của dữ liệu người dùng trước khi gửi về server bằng các ràng buộc</a:t>
+            </a:r>
+          </a:p>
+        </p:txBody>
+      </p:sp>
+    </p:spTree>
+    <p:extLst>
+      <p:ext uri="{BB962C8B-B14F-4D97-AF65-F5344CB8AC3E}">
+        <p14:creationId xmlns:p14="http://schemas.microsoft.com/office/powerpoint/2010/main" val="1513160026"/>
+      </p:ext>
+    </p:extLst>
+  </p:cSld>
+  <p:clrMapOvr>
+    <a:masterClrMapping/>
+  </p:clrMapOvr>
+</p:sld>
+</file>
+
+<file path=ppt/slides/slide6.xml><?xml version="1.0" encoding="utf-8"?>
+<p:sld xmlns:a="http://schemas.openxmlformats.org/drawingml/2006/main" xmlns:r="http://schemas.openxmlformats.org/officeDocument/2006/relationships" xmlns:p="http://schemas.openxmlformats.org/presentationml/2006/main">
+  <p:cSld>
+    <p:spTree>
+      <p:nvGrpSpPr>
+        <p:cNvPr id="1" name=""/>
+        <p:cNvGrpSpPr/>
+        <p:nvPr/>
+      </p:nvGrpSpPr>
+      <p:grpSpPr>
+        <a:xfrm>
+          <a:off x="0" y="0"/>
+          <a:ext cx="0" cy="0"/>
+          <a:chOff x="0" y="0"/>
+          <a:chExt cx="0" cy="0"/>
+        </a:xfrm>
+      </p:grpSpPr>
+      <p:sp>
+        <p:nvSpPr>
+          <p:cNvPr id="2" name="Title 1"/>
+          <p:cNvSpPr>
+            <a:spLocks noGrp="1"/>
+          </p:cNvSpPr>
+          <p:nvPr>
+            <p:ph type="title"/>
+          </p:nvPr>
+        </p:nvSpPr>
+        <p:spPr/>
+        <p:txBody>
+          <a:bodyPr/>
+          <a:lstStyle/>
+          <a:p>
+            <a:r>
+              <a:rPr lang="en-US"/>
+              <a:t>Observables </a:t>
+            </a:r>
+            <a:endParaRPr lang="en-US"/>
+          </a:p>
+        </p:txBody>
+      </p:sp>
+      <p:sp>
+        <p:nvSpPr>
+          <p:cNvPr id="3" name="Content Placeholder 2"/>
+          <p:cNvSpPr>
+            <a:spLocks noGrp="1"/>
+          </p:cNvSpPr>
+          <p:nvPr>
+            <p:ph idx="1"/>
+          </p:nvPr>
+        </p:nvSpPr>
+        <p:spPr/>
+        <p:txBody>
+          <a:bodyPr/>
+          <a:lstStyle/>
+          <a:p>
+            <a:r>
+              <a:rPr lang="en-US" smtClean="0"/>
+              <a:t>Là tính năng trong ES7, rất giống với Promise</a:t>
+            </a:r>
+          </a:p>
+          <a:p>
+            <a:r>
+              <a:rPr lang="en-US" smtClean="0"/>
+              <a:t>Observable</a:t>
+            </a:r>
+            <a:r>
+              <a:rPr lang="en-US"/>
+              <a:t> </a:t>
+            </a:r>
+            <a:r>
+              <a:rPr lang="en-US" smtClean="0"/>
+              <a:t>xử lý được nhiều giá trị, Promise thì chỉ được gọi 1 lần và trả về 1 giá trị output</a:t>
+            </a:r>
+          </a:p>
+          <a:p>
+            <a:r>
+              <a:rPr lang="en-US" smtClean="0"/>
+              <a:t>Observable có thể cancel được, còn Promise thì không</a:t>
+            </a:r>
+          </a:p>
+          <a:p>
+            <a:r>
+              <a:rPr lang="en-US"/>
+              <a:t>RxJS</a:t>
+            </a:r>
+            <a:r>
+              <a:rPr lang="en-US"/>
+              <a:t> </a:t>
+            </a:r>
+            <a:r>
+              <a:rPr lang="en-US" smtClean="0"/>
+              <a:t>là thư viện có rất nhiều tính năng và hàm trong Observables</a:t>
+            </a:r>
+          </a:p>
+        </p:txBody>
+      </p:sp>
+    </p:spTree>
+    <p:extLst>
+      <p:ext uri="{BB962C8B-B14F-4D97-AF65-F5344CB8AC3E}">
+        <p14:creationId xmlns:p14="http://schemas.microsoft.com/office/powerpoint/2010/main" val="633272445"/>
       </p:ext>
     </p:extLst>
   </p:cSld>
@@ -5496,6 +5812,364 @@
       </p:par>
     </p:tnLst>
   </p:timing>
+</p:sld>
+</file>
+
+<file path=ppt/slides/slide7.xml><?xml version="1.0" encoding="utf-8"?>
+<p:sld xmlns:a="http://schemas.openxmlformats.org/drawingml/2006/main" xmlns:r="http://schemas.openxmlformats.org/officeDocument/2006/relationships" xmlns:p="http://schemas.openxmlformats.org/presentationml/2006/main">
+  <p:cSld>
+    <p:spTree>
+      <p:nvGrpSpPr>
+        <p:cNvPr id="1" name=""/>
+        <p:cNvGrpSpPr/>
+        <p:nvPr/>
+      </p:nvGrpSpPr>
+      <p:grpSpPr>
+        <a:xfrm>
+          <a:off x="0" y="0"/>
+          <a:ext cx="0" cy="0"/>
+          <a:chOff x="0" y="0"/>
+          <a:chExt cx="0" cy="0"/>
+        </a:xfrm>
+      </p:grpSpPr>
+      <p:sp>
+        <p:nvSpPr>
+          <p:cNvPr id="2" name="Title 1"/>
+          <p:cNvSpPr>
+            <a:spLocks noGrp="1"/>
+          </p:cNvSpPr>
+          <p:nvPr>
+            <p:ph type="title"/>
+          </p:nvPr>
+        </p:nvSpPr>
+        <p:spPr/>
+        <p:txBody>
+          <a:bodyPr>
+            <a:normAutofit/>
+          </a:bodyPr>
+          <a:lstStyle/>
+          <a:p>
+            <a:r>
+              <a:rPr lang="en-US" smtClean="0"/>
+              <a:t>Observables in </a:t>
+            </a:r>
+            <a:r>
+              <a:rPr lang="en-US"/>
+              <a:t>Angular</a:t>
+            </a:r>
+          </a:p>
+        </p:txBody>
+      </p:sp>
+      <p:sp>
+        <p:nvSpPr>
+          <p:cNvPr id="3" name="Content Placeholder 2"/>
+          <p:cNvSpPr>
+            <a:spLocks noGrp="1"/>
+          </p:cNvSpPr>
+          <p:nvPr>
+            <p:ph idx="1"/>
+          </p:nvPr>
+        </p:nvSpPr>
+        <p:spPr>
+          <a:xfrm>
+            <a:off x="2773599" y="2052116"/>
+            <a:ext cx="7796540" cy="4805884"/>
+          </a:xfrm>
+        </p:spPr>
+        <p:txBody>
+          <a:bodyPr/>
+          <a:lstStyle/>
+          <a:p>
+            <a:r>
+              <a:rPr lang="en-US" smtClean="0"/>
+              <a:t>Angular mặc định sử dụng </a:t>
+            </a:r>
+            <a:r>
+              <a:rPr lang="en-US"/>
+              <a:t>observables</a:t>
+            </a:r>
+            <a:r>
+              <a:rPr lang="en-US"/>
+              <a:t> </a:t>
+            </a:r>
+            <a:r>
+              <a:rPr lang="en-US" smtClean="0"/>
+              <a:t>làm interface để xử lý rất nhiều tác vụ không đồng bộ Asynchronous</a:t>
+            </a:r>
+          </a:p>
+          <a:p>
+            <a:pPr lvl="1"/>
+            <a:r>
+              <a:rPr lang="en-US"/>
+              <a:t>EventEmitter class </a:t>
+            </a:r>
+            <a:r>
+              <a:rPr lang="en-US"/>
+              <a:t>extends </a:t>
+            </a:r>
+            <a:r>
+              <a:rPr lang="en-US" smtClean="0"/>
+              <a:t>Observable</a:t>
+            </a:r>
+          </a:p>
+          <a:p>
+            <a:pPr lvl="1"/>
+            <a:r>
+              <a:rPr lang="en-US"/>
+              <a:t>HTTP module uses observables to handle AJAX requests </a:t>
+            </a:r>
+            <a:r>
+              <a:rPr lang="en-US"/>
+              <a:t>and </a:t>
+            </a:r>
+            <a:r>
+              <a:rPr lang="en-US" smtClean="0"/>
+              <a:t>responses</a:t>
+            </a:r>
+          </a:p>
+          <a:p>
+            <a:pPr lvl="1"/>
+            <a:r>
+              <a:rPr lang="en-US"/>
+              <a:t>Router and Forms modules use observables to listen for and respond to user-input events</a:t>
+            </a:r>
+          </a:p>
+          <a:p>
+            <a:endParaRPr lang="en-US"/>
+          </a:p>
+        </p:txBody>
+      </p:sp>
+    </p:spTree>
+    <p:extLst>
+      <p:ext uri="{BB962C8B-B14F-4D97-AF65-F5344CB8AC3E}">
+        <p14:creationId xmlns:p14="http://schemas.microsoft.com/office/powerpoint/2010/main" val="1876701033"/>
+      </p:ext>
+    </p:extLst>
+  </p:cSld>
+  <p:clrMapOvr>
+    <a:masterClrMapping/>
+  </p:clrMapOvr>
+  <p:timing>
+    <p:tnLst>
+      <p:par>
+        <p:cTn id="1" dur="indefinite" restart="never" nodeType="tmRoot"/>
+      </p:par>
+    </p:tnLst>
+  </p:timing>
+</p:sld>
+</file>
+
+<file path=ppt/slides/slide8.xml><?xml version="1.0" encoding="utf-8"?>
+<p:sld xmlns:a="http://schemas.openxmlformats.org/drawingml/2006/main" xmlns:r="http://schemas.openxmlformats.org/officeDocument/2006/relationships" xmlns:p="http://schemas.openxmlformats.org/presentationml/2006/main">
+  <p:cSld>
+    <p:spTree>
+      <p:nvGrpSpPr>
+        <p:cNvPr id="1" name=""/>
+        <p:cNvGrpSpPr/>
+        <p:nvPr/>
+      </p:nvGrpSpPr>
+      <p:grpSpPr>
+        <a:xfrm>
+          <a:off x="0" y="0"/>
+          <a:ext cx="0" cy="0"/>
+          <a:chOff x="0" y="0"/>
+          <a:chExt cx="0" cy="0"/>
+        </a:xfrm>
+      </p:grpSpPr>
+      <p:sp>
+        <p:nvSpPr>
+          <p:cNvPr id="2" name="Title 1"/>
+          <p:cNvSpPr>
+            <a:spLocks noGrp="1"/>
+          </p:cNvSpPr>
+          <p:nvPr>
+            <p:ph type="title"/>
+          </p:nvPr>
+        </p:nvSpPr>
+        <p:spPr/>
+        <p:txBody>
+          <a:bodyPr>
+            <a:normAutofit/>
+          </a:bodyPr>
+          <a:lstStyle/>
+          <a:p>
+            <a:r>
+              <a:rPr lang="en-US" smtClean="0"/>
+              <a:t>HttpClient library</a:t>
+            </a:r>
+            <a:endParaRPr lang="en-US"/>
+          </a:p>
+        </p:txBody>
+      </p:sp>
+      <p:sp>
+        <p:nvSpPr>
+          <p:cNvPr id="3" name="Content Placeholder 2"/>
+          <p:cNvSpPr>
+            <a:spLocks noGrp="1"/>
+          </p:cNvSpPr>
+          <p:nvPr>
+            <p:ph idx="1"/>
+          </p:nvPr>
+        </p:nvSpPr>
+        <p:spPr>
+          <a:xfrm>
+            <a:off x="2611808" y="2052116"/>
+            <a:ext cx="7958331" cy="3997828"/>
+          </a:xfrm>
+        </p:spPr>
+        <p:txBody>
+          <a:bodyPr/>
+          <a:lstStyle/>
+          <a:p>
+            <a:r>
+              <a:rPr lang="en-US" smtClean="0"/>
+              <a:t>HttpClient hỗ trợ nhiều tính năng nâng cao</a:t>
+            </a:r>
+          </a:p>
+          <a:p>
+            <a:pPr lvl="1"/>
+            <a:r>
+              <a:rPr lang="en-US"/>
+              <a:t>ability to listen for </a:t>
+            </a:r>
+            <a:r>
+              <a:rPr lang="en-US"/>
+              <a:t>progress </a:t>
+            </a:r>
+            <a:r>
+              <a:rPr lang="en-US" smtClean="0"/>
+              <a:t>events</a:t>
+            </a:r>
+          </a:p>
+          <a:p>
+            <a:pPr lvl="1"/>
+            <a:r>
+              <a:rPr lang="en-US"/>
+              <a:t>interceptors to monitor or modify requests </a:t>
+            </a:r>
+            <a:r>
+              <a:rPr lang="en-US"/>
+              <a:t>or </a:t>
+            </a:r>
+            <a:r>
+              <a:rPr lang="en-US" smtClean="0"/>
+              <a:t>responses</a:t>
+            </a:r>
+          </a:p>
+          <a:p>
+            <a:r>
+              <a:rPr lang="en-US" smtClean="0"/>
+              <a:t>Ứng dụng cần import HttpClientModule trong module @angular/common/http</a:t>
+            </a:r>
+            <a:endParaRPr lang="en-US"/>
+          </a:p>
+        </p:txBody>
+      </p:sp>
+    </p:spTree>
+    <p:extLst>
+      <p:ext uri="{BB962C8B-B14F-4D97-AF65-F5344CB8AC3E}">
+        <p14:creationId xmlns:p14="http://schemas.microsoft.com/office/powerpoint/2010/main" val="2104062991"/>
+      </p:ext>
+    </p:extLst>
+  </p:cSld>
+  <p:clrMapOvr>
+    <a:masterClrMapping/>
+  </p:clrMapOvr>
+</p:sld>
+</file>
+
+<file path=ppt/slides/slide9.xml><?xml version="1.0" encoding="utf-8"?>
+<p:sld xmlns:a="http://schemas.openxmlformats.org/drawingml/2006/main" xmlns:r="http://schemas.openxmlformats.org/officeDocument/2006/relationships" xmlns:p="http://schemas.openxmlformats.org/presentationml/2006/main">
+  <p:cSld>
+    <p:spTree>
+      <p:nvGrpSpPr>
+        <p:cNvPr id="1" name=""/>
+        <p:cNvGrpSpPr/>
+        <p:nvPr/>
+      </p:nvGrpSpPr>
+      <p:grpSpPr>
+        <a:xfrm>
+          <a:off x="0" y="0"/>
+          <a:ext cx="0" cy="0"/>
+          <a:chOff x="0" y="0"/>
+          <a:chExt cx="0" cy="0"/>
+        </a:xfrm>
+      </p:grpSpPr>
+      <p:sp>
+        <p:nvSpPr>
+          <p:cNvPr id="2" name="Title 1"/>
+          <p:cNvSpPr>
+            <a:spLocks noGrp="1"/>
+          </p:cNvSpPr>
+          <p:nvPr>
+            <p:ph type="title"/>
+          </p:nvPr>
+        </p:nvSpPr>
+        <p:spPr/>
+        <p:txBody>
+          <a:bodyPr/>
+          <a:lstStyle/>
+          <a:p>
+            <a:r>
+              <a:rPr lang="en-US"/>
+              <a:t>HttpClient library</a:t>
+            </a:r>
+          </a:p>
+        </p:txBody>
+      </p:sp>
+      <p:sp>
+        <p:nvSpPr>
+          <p:cNvPr id="3" name="Content Placeholder 2"/>
+          <p:cNvSpPr>
+            <a:spLocks noGrp="1"/>
+          </p:cNvSpPr>
+          <p:nvPr>
+            <p:ph idx="1"/>
+          </p:nvPr>
+        </p:nvSpPr>
+        <p:spPr/>
+        <p:txBody>
+          <a:bodyPr/>
+          <a:lstStyle/>
+          <a:p>
+            <a:endParaRPr lang="en-US"/>
+          </a:p>
+        </p:txBody>
+      </p:sp>
+      <p:pic>
+        <p:nvPicPr>
+          <p:cNvPr id="4" name="Picture 3"/>
+          <p:cNvPicPr>
+            <a:picLocks noChangeAspect="1"/>
+          </p:cNvPicPr>
+          <p:nvPr/>
+        </p:nvPicPr>
+        <p:blipFill>
+          <a:blip r:embed="rId2"/>
+          <a:stretch>
+            <a:fillRect/>
+          </a:stretch>
+        </p:blipFill>
+        <p:spPr>
+          <a:xfrm>
+            <a:off x="2773599" y="2052116"/>
+            <a:ext cx="6838950" cy="4486275"/>
+          </a:xfrm>
+          <a:prstGeom prst="rect">
+            <a:avLst/>
+          </a:prstGeom>
+        </p:spPr>
+      </p:pic>
+    </p:spTree>
+    <p:extLst>
+      <p:ext uri="{BB962C8B-B14F-4D97-AF65-F5344CB8AC3E}">
+        <p14:creationId xmlns:p14="http://schemas.microsoft.com/office/powerpoint/2010/main" val="3499526654"/>
+      </p:ext>
+    </p:extLst>
+  </p:cSld>
+  <p:clrMapOvr>
+    <a:masterClrMapping/>
+  </p:clrMapOvr>
 </p:sld>
 </file>
 
